--- a/foritify1.pptx
+++ b/foritify1.pptx
@@ -6,6 +6,7 @@
   </p:sldMasterIdLst>
   <p:sldIdLst>
     <p:sldId id="256" r:id="rId2"/>
+    <p:sldId id="257" r:id="rId3"/>
   </p:sldIdLst>
   <p:sldSz cx="12192000" cy="6858000"/>
   <p:notesSz cx="6858000" cy="9144000"/>
@@ -4886,6 +4887,1543 @@
 </p:sld>
 </file>
 
+<file path=ppt/slides/slide2.xml><?xml version="1.0" encoding="utf-8"?>
+<p:sld xmlns:a="http://schemas.openxmlformats.org/drawingml/2006/main" xmlns:r="http://schemas.openxmlformats.org/officeDocument/2006/relationships" xmlns:p="http://schemas.openxmlformats.org/presentationml/2006/main">
+  <p:cSld>
+    <p:spTree>
+      <p:nvGrpSpPr>
+        <p:cNvPr id="1" name=""/>
+        <p:cNvGrpSpPr/>
+        <p:nvPr/>
+      </p:nvGrpSpPr>
+      <p:grpSpPr>
+        <a:xfrm>
+          <a:off x="0" y="0"/>
+          <a:ext cx="0" cy="0"/>
+          <a:chOff x="0" y="0"/>
+          <a:chExt cx="0" cy="0"/>
+        </a:xfrm>
+      </p:grpSpPr>
+      <p:graphicFrame>
+        <p:nvGraphicFramePr>
+          <p:cNvPr id="2" name="Table 1"/>
+          <p:cNvGraphicFramePr>
+            <a:graphicFrameLocks noGrp="1"/>
+          </p:cNvGraphicFramePr>
+          <p:nvPr>
+            <p:extLst>
+              <p:ext uri="{D42A27DB-BD31-4B8C-83A1-F6EECF244321}">
+                <p14:modId xmlns:p14="http://schemas.microsoft.com/office/powerpoint/2010/main" val="1705165511"/>
+              </p:ext>
+            </p:extLst>
+          </p:nvPr>
+        </p:nvGraphicFramePr>
+        <p:xfrm>
+          <a:off x="195944" y="0"/>
+          <a:ext cx="11996058" cy="7993776"/>
+        </p:xfrm>
+        <a:graphic>
+          <a:graphicData uri="http://schemas.openxmlformats.org/drawingml/2006/table">
+            <a:tbl>
+              <a:tblPr/>
+              <a:tblGrid>
+                <a:gridCol w="2246810">
+                  <a:extLst>
+                    <a:ext uri="{9D8B030D-6E8A-4147-A177-3AD203B41FA5}">
+                      <a16:colId xmlns:a16="http://schemas.microsoft.com/office/drawing/2014/main" val="3609771421"/>
+                    </a:ext>
+                  </a:extLst>
+                </a:gridCol>
+                <a:gridCol w="5750562">
+                  <a:extLst>
+                    <a:ext uri="{9D8B030D-6E8A-4147-A177-3AD203B41FA5}">
+                      <a16:colId xmlns:a16="http://schemas.microsoft.com/office/drawing/2014/main" val="1962112662"/>
+                    </a:ext>
+                  </a:extLst>
+                </a:gridCol>
+                <a:gridCol w="3998686">
+                  <a:extLst>
+                    <a:ext uri="{9D8B030D-6E8A-4147-A177-3AD203B41FA5}">
+                      <a16:colId xmlns:a16="http://schemas.microsoft.com/office/drawing/2014/main" val="2708350153"/>
+                    </a:ext>
+                  </a:extLst>
+                </a:gridCol>
+              </a:tblGrid>
+              <a:tr h="77183">
+                <a:tc>
+                  <a:txBody>
+                    <a:bodyPr/>
+                    <a:lstStyle/>
+                    <a:p>
+                      <a:pPr fontAlgn="b"/>
+                      <a:r>
+                        <a:rPr lang="en-IN" sz="1400" b="1">
+                          <a:effectLst/>
+                        </a:rPr>
+                        <a:t>Feature</a:t>
+                      </a:r>
+                    </a:p>
+                  </a:txBody>
+                  <a:tcPr marL="12432" marR="12432" marT="6216" marB="6216" anchor="b">
+                    <a:lnL w="9525" cap="flat" cmpd="sng" algn="ctr">
+                      <a:solidFill>
+                        <a:srgbClr val="E3E3E3"/>
+                      </a:solidFill>
+                      <a:prstDash val="solid"/>
+                      <a:round/>
+                      <a:headEnd type="none" w="med" len="med"/>
+                      <a:tailEnd type="none" w="med" len="med"/>
+                    </a:lnL>
+                    <a:lnR w="9525" cap="flat" cmpd="sng" algn="ctr">
+                      <a:solidFill>
+                        <a:srgbClr val="E3E3E3"/>
+                      </a:solidFill>
+                      <a:prstDash val="solid"/>
+                      <a:round/>
+                      <a:headEnd type="none" w="med" len="med"/>
+                      <a:tailEnd type="none" w="med" len="med"/>
+                    </a:lnR>
+                    <a:lnT w="9525" cap="flat" cmpd="sng" algn="ctr">
+                      <a:solidFill>
+                        <a:srgbClr val="E3E3E3"/>
+                      </a:solidFill>
+                      <a:prstDash val="solid"/>
+                      <a:round/>
+                      <a:headEnd type="none" w="med" len="med"/>
+                      <a:tailEnd type="none" w="med" len="med"/>
+                    </a:lnT>
+                    <a:lnB w="12700" cap="flat" cmpd="sng" algn="ctr">
+                      <a:solidFill>
+                        <a:srgbClr val="E3E3E3"/>
+                      </a:solidFill>
+                      <a:prstDash val="solid"/>
+                      <a:round/>
+                      <a:headEnd type="none" w="med" len="med"/>
+                      <a:tailEnd type="none" w="med" len="med"/>
+                    </a:lnB>
+                    <a:solidFill>
+                      <a:srgbClr val="FFFFFF"/>
+                    </a:solidFill>
+                  </a:tcPr>
+                </a:tc>
+                <a:tc>
+                  <a:txBody>
+                    <a:bodyPr/>
+                    <a:lstStyle/>
+                    <a:p>
+                      <a:pPr fontAlgn="b"/>
+                      <a:r>
+                        <a:rPr lang="en-IN" sz="1400" b="1">
+                          <a:effectLst/>
+                        </a:rPr>
+                        <a:t>Fortify</a:t>
+                      </a:r>
+                    </a:p>
+                  </a:txBody>
+                  <a:tcPr marL="12432" marR="12432" marT="6216" marB="6216" anchor="b">
+                    <a:lnL w="9525" cap="flat" cmpd="sng" algn="ctr">
+                      <a:solidFill>
+                        <a:srgbClr val="E3E3E3"/>
+                      </a:solidFill>
+                      <a:prstDash val="solid"/>
+                      <a:round/>
+                      <a:headEnd type="none" w="med" len="med"/>
+                      <a:tailEnd type="none" w="med" len="med"/>
+                    </a:lnL>
+                    <a:lnR w="9525" cap="flat" cmpd="sng" algn="ctr">
+                      <a:solidFill>
+                        <a:srgbClr val="E3E3E3"/>
+                      </a:solidFill>
+                      <a:prstDash val="solid"/>
+                      <a:round/>
+                      <a:headEnd type="none" w="med" len="med"/>
+                      <a:tailEnd type="none" w="med" len="med"/>
+                    </a:lnR>
+                    <a:lnT w="9525" cap="flat" cmpd="sng" algn="ctr">
+                      <a:solidFill>
+                        <a:srgbClr val="E3E3E3"/>
+                      </a:solidFill>
+                      <a:prstDash val="solid"/>
+                      <a:round/>
+                      <a:headEnd type="none" w="med" len="med"/>
+                      <a:tailEnd type="none" w="med" len="med"/>
+                    </a:lnT>
+                    <a:lnB w="12700" cap="flat" cmpd="sng" algn="ctr">
+                      <a:solidFill>
+                        <a:srgbClr val="E3E3E3"/>
+                      </a:solidFill>
+                      <a:prstDash val="solid"/>
+                      <a:round/>
+                      <a:headEnd type="none" w="med" len="med"/>
+                      <a:tailEnd type="none" w="med" len="med"/>
+                    </a:lnB>
+                    <a:solidFill>
+                      <a:srgbClr val="FFFFFF"/>
+                    </a:solidFill>
+                  </a:tcPr>
+                </a:tc>
+                <a:tc>
+                  <a:txBody>
+                    <a:bodyPr/>
+                    <a:lstStyle/>
+                    <a:p>
+                      <a:pPr fontAlgn="b"/>
+                      <a:r>
+                        <a:rPr lang="en-IN" sz="1400" b="1">
+                          <a:effectLst/>
+                        </a:rPr>
+                        <a:t>CodeQL</a:t>
+                      </a:r>
+                    </a:p>
+                  </a:txBody>
+                  <a:tcPr marL="12432" marR="12432" marT="6216" marB="6216" anchor="b">
+                    <a:lnL w="9525" cap="flat" cmpd="sng" algn="ctr">
+                      <a:solidFill>
+                        <a:srgbClr val="E3E3E3"/>
+                      </a:solidFill>
+                      <a:prstDash val="solid"/>
+                      <a:round/>
+                      <a:headEnd type="none" w="med" len="med"/>
+                      <a:tailEnd type="none" w="med" len="med"/>
+                    </a:lnL>
+                    <a:lnR w="9525" cap="flat" cmpd="sng" algn="ctr">
+                      <a:solidFill>
+                        <a:srgbClr val="E3E3E3"/>
+                      </a:solidFill>
+                      <a:prstDash val="solid"/>
+                      <a:round/>
+                      <a:headEnd type="none" w="med" len="med"/>
+                      <a:tailEnd type="none" w="med" len="med"/>
+                    </a:lnR>
+                    <a:lnT w="9525" cap="flat" cmpd="sng" algn="ctr">
+                      <a:solidFill>
+                        <a:srgbClr val="E3E3E3"/>
+                      </a:solidFill>
+                      <a:prstDash val="solid"/>
+                      <a:round/>
+                      <a:headEnd type="none" w="med" len="med"/>
+                      <a:tailEnd type="none" w="med" len="med"/>
+                    </a:lnT>
+                    <a:lnB w="12700" cap="flat" cmpd="sng" algn="ctr">
+                      <a:solidFill>
+                        <a:srgbClr val="E3E3E3"/>
+                      </a:solidFill>
+                      <a:prstDash val="solid"/>
+                      <a:round/>
+                      <a:headEnd type="none" w="med" len="med"/>
+                      <a:tailEnd type="none" w="med" len="med"/>
+                    </a:lnB>
+                    <a:solidFill>
+                      <a:srgbClr val="FFFFFF"/>
+                    </a:solidFill>
+                  </a:tcPr>
+                </a:tc>
+                <a:extLst>
+                  <a:ext uri="{0D108BD9-81ED-4DB2-BD59-A6C34878D82A}">
+                    <a16:rowId xmlns:a16="http://schemas.microsoft.com/office/drawing/2014/main" val="2882151631"/>
+                  </a:ext>
+                </a:extLst>
+              </a:tr>
+              <a:tr h="1003376">
+                <a:tc>
+                  <a:txBody>
+                    <a:bodyPr/>
+                    <a:lstStyle/>
+                    <a:p>
+                      <a:pPr fontAlgn="base"/>
+                      <a:r>
+                        <a:rPr lang="en-IN" sz="1400" b="1">
+                          <a:effectLst/>
+                        </a:rPr>
+                        <a:t>Analysis Capabilities</a:t>
+                      </a:r>
+                      <a:endParaRPr lang="en-IN" sz="1400">
+                        <a:effectLst/>
+                      </a:endParaRPr>
+                    </a:p>
+                  </a:txBody>
+                  <a:tcPr marL="12432" marR="12432" marT="6216" marB="6216" anchor="ctr">
+                    <a:lnL w="9525" cap="flat" cmpd="sng" algn="ctr">
+                      <a:solidFill>
+                        <a:srgbClr val="E3E3E3"/>
+                      </a:solidFill>
+                      <a:prstDash val="solid"/>
+                      <a:round/>
+                      <a:headEnd type="none" w="med" len="med"/>
+                      <a:tailEnd type="none" w="med" len="med"/>
+                    </a:lnL>
+                    <a:lnR w="9525" cap="flat" cmpd="sng" algn="ctr">
+                      <a:solidFill>
+                        <a:srgbClr val="E3E3E3"/>
+                      </a:solidFill>
+                      <a:prstDash val="solid"/>
+                      <a:round/>
+                      <a:headEnd type="none" w="med" len="med"/>
+                      <a:tailEnd type="none" w="med" len="med"/>
+                    </a:lnR>
+                    <a:lnT w="12700" cap="flat" cmpd="sng" algn="ctr">
+                      <a:solidFill>
+                        <a:srgbClr val="E3E3E3"/>
+                      </a:solidFill>
+                      <a:prstDash val="solid"/>
+                      <a:round/>
+                      <a:headEnd type="none" w="med" len="med"/>
+                      <a:tailEnd type="none" w="med" len="med"/>
+                    </a:lnT>
+                    <a:lnB w="12700" cap="flat" cmpd="sng" algn="ctr">
+                      <a:solidFill>
+                        <a:srgbClr val="E3E3E3"/>
+                      </a:solidFill>
+                      <a:prstDash val="solid"/>
+                      <a:round/>
+                      <a:headEnd type="none" w="med" len="med"/>
+                      <a:tailEnd type="none" w="med" len="med"/>
+                    </a:lnB>
+                    <a:solidFill>
+                      <a:srgbClr val="FFFFFF"/>
+                    </a:solidFill>
+                  </a:tcPr>
+                </a:tc>
+                <a:tc>
+                  <a:txBody>
+                    <a:bodyPr/>
+                    <a:lstStyle/>
+                    <a:p>
+                      <a:pPr fontAlgn="base"/>
+                      <a:r>
+                        <a:rPr lang="en-US" sz="1400">
+                          <a:effectLst/>
+                        </a:rPr>
+                        <a:t>Offers comprehensive static code analysis capabilities, including SAST, DAST, IAST, and SCA. Provides a wide range of predefined security rules and templates covering common vulnerabilities and coding best practices. Allows customization of rules and policies to meet specific security requirements.</a:t>
+                      </a:r>
+                    </a:p>
+                  </a:txBody>
+                  <a:tcPr marL="12432" marR="12432" marT="6216" marB="6216" anchor="ctr">
+                    <a:lnL w="9525" cap="flat" cmpd="sng" algn="ctr">
+                      <a:solidFill>
+                        <a:srgbClr val="E3E3E3"/>
+                      </a:solidFill>
+                      <a:prstDash val="solid"/>
+                      <a:round/>
+                      <a:headEnd type="none" w="med" len="med"/>
+                      <a:tailEnd type="none" w="med" len="med"/>
+                    </a:lnL>
+                    <a:lnR w="9525" cap="flat" cmpd="sng" algn="ctr">
+                      <a:solidFill>
+                        <a:srgbClr val="E3E3E3"/>
+                      </a:solidFill>
+                      <a:prstDash val="solid"/>
+                      <a:round/>
+                      <a:headEnd type="none" w="med" len="med"/>
+                      <a:tailEnd type="none" w="med" len="med"/>
+                    </a:lnR>
+                    <a:lnT w="12700" cap="flat" cmpd="sng" algn="ctr">
+                      <a:solidFill>
+                        <a:srgbClr val="E3E3E3"/>
+                      </a:solidFill>
+                      <a:prstDash val="solid"/>
+                      <a:round/>
+                      <a:headEnd type="none" w="med" len="med"/>
+                      <a:tailEnd type="none" w="med" len="med"/>
+                    </a:lnT>
+                    <a:lnB w="12700" cap="flat" cmpd="sng" algn="ctr">
+                      <a:solidFill>
+                        <a:srgbClr val="E3E3E3"/>
+                      </a:solidFill>
+                      <a:prstDash val="solid"/>
+                      <a:round/>
+                      <a:headEnd type="none" w="med" len="med"/>
+                      <a:tailEnd type="none" w="med" len="med"/>
+                    </a:lnB>
+                    <a:solidFill>
+                      <a:srgbClr val="FFFFFF"/>
+                    </a:solidFill>
+                  </a:tcPr>
+                </a:tc>
+                <a:tc>
+                  <a:txBody>
+                    <a:bodyPr/>
+                    <a:lstStyle/>
+                    <a:p>
+                      <a:pPr fontAlgn="base"/>
+                      <a:r>
+                        <a:rPr lang="en-US" sz="1400">
+                          <a:effectLst/>
+                        </a:rPr>
+                        <a:t>Focuses primarily on semantic code analysis through custom code analysis queries. Allows developers to write and execute queries to identify security vulnerabilities and code quality issues. Offers flexibility in defining custom rules and patterns.</a:t>
+                      </a:r>
+                    </a:p>
+                  </a:txBody>
+                  <a:tcPr marL="12432" marR="12432" marT="6216" marB="6216" anchor="ctr">
+                    <a:lnL w="9525" cap="flat" cmpd="sng" algn="ctr">
+                      <a:solidFill>
+                        <a:srgbClr val="E3E3E3"/>
+                      </a:solidFill>
+                      <a:prstDash val="solid"/>
+                      <a:round/>
+                      <a:headEnd type="none" w="med" len="med"/>
+                      <a:tailEnd type="none" w="med" len="med"/>
+                    </a:lnL>
+                    <a:lnR w="9525" cap="flat" cmpd="sng" algn="ctr">
+                      <a:solidFill>
+                        <a:srgbClr val="E3E3E3"/>
+                      </a:solidFill>
+                      <a:prstDash val="solid"/>
+                      <a:round/>
+                      <a:headEnd type="none" w="med" len="med"/>
+                      <a:tailEnd type="none" w="med" len="med"/>
+                    </a:lnR>
+                    <a:lnT w="12700" cap="flat" cmpd="sng" algn="ctr">
+                      <a:solidFill>
+                        <a:srgbClr val="E3E3E3"/>
+                      </a:solidFill>
+                      <a:prstDash val="solid"/>
+                      <a:round/>
+                      <a:headEnd type="none" w="med" len="med"/>
+                      <a:tailEnd type="none" w="med" len="med"/>
+                    </a:lnT>
+                    <a:lnB w="12700" cap="flat" cmpd="sng" algn="ctr">
+                      <a:solidFill>
+                        <a:srgbClr val="E3E3E3"/>
+                      </a:solidFill>
+                      <a:prstDash val="solid"/>
+                      <a:round/>
+                      <a:headEnd type="none" w="med" len="med"/>
+                      <a:tailEnd type="none" w="med" len="med"/>
+                    </a:lnB>
+                    <a:solidFill>
+                      <a:srgbClr val="FFFFFF"/>
+                    </a:solidFill>
+                  </a:tcPr>
+                </a:tc>
+                <a:extLst>
+                  <a:ext uri="{0D108BD9-81ED-4DB2-BD59-A6C34878D82A}">
+                    <a16:rowId xmlns:a16="http://schemas.microsoft.com/office/drawing/2014/main" val="1509283558"/>
+                  </a:ext>
+                </a:extLst>
+              </a:tr>
+              <a:tr h="713942">
+                <a:tc>
+                  <a:txBody>
+                    <a:bodyPr/>
+                    <a:lstStyle/>
+                    <a:p>
+                      <a:pPr fontAlgn="base"/>
+                      <a:r>
+                        <a:rPr lang="en-IN" sz="1400" b="1">
+                          <a:effectLst/>
+                        </a:rPr>
+                        <a:t>Flagging False Positives</a:t>
+                      </a:r>
+                      <a:endParaRPr lang="en-IN" sz="1400">
+                        <a:effectLst/>
+                      </a:endParaRPr>
+                    </a:p>
+                  </a:txBody>
+                  <a:tcPr marL="12432" marR="12432" marT="6216" marB="6216" anchor="ctr">
+                    <a:lnL w="9525" cap="flat" cmpd="sng" algn="ctr">
+                      <a:solidFill>
+                        <a:srgbClr val="E3E3E3"/>
+                      </a:solidFill>
+                      <a:prstDash val="solid"/>
+                      <a:round/>
+                      <a:headEnd type="none" w="med" len="med"/>
+                      <a:tailEnd type="none" w="med" len="med"/>
+                    </a:lnL>
+                    <a:lnR w="9525" cap="flat" cmpd="sng" algn="ctr">
+                      <a:solidFill>
+                        <a:srgbClr val="E3E3E3"/>
+                      </a:solidFill>
+                      <a:prstDash val="solid"/>
+                      <a:round/>
+                      <a:headEnd type="none" w="med" len="med"/>
+                      <a:tailEnd type="none" w="med" len="med"/>
+                    </a:lnR>
+                    <a:lnT w="12700" cap="flat" cmpd="sng" algn="ctr">
+                      <a:solidFill>
+                        <a:srgbClr val="E3E3E3"/>
+                      </a:solidFill>
+                      <a:prstDash val="solid"/>
+                      <a:round/>
+                      <a:headEnd type="none" w="med" len="med"/>
+                      <a:tailEnd type="none" w="med" len="med"/>
+                    </a:lnT>
+                    <a:lnB w="12700" cap="flat" cmpd="sng" algn="ctr">
+                      <a:solidFill>
+                        <a:srgbClr val="E3E3E3"/>
+                      </a:solidFill>
+                      <a:prstDash val="solid"/>
+                      <a:round/>
+                      <a:headEnd type="none" w="med" len="med"/>
+                      <a:tailEnd type="none" w="med" len="med"/>
+                    </a:lnB>
+                    <a:solidFill>
+                      <a:srgbClr val="FFFFFF"/>
+                    </a:solidFill>
+                  </a:tcPr>
+                </a:tc>
+                <a:tc>
+                  <a:txBody>
+                    <a:bodyPr/>
+                    <a:lstStyle/>
+                    <a:p>
+                      <a:pPr fontAlgn="base"/>
+                      <a:r>
+                        <a:rPr lang="en-US" sz="1400">
+                          <a:effectLst/>
+                        </a:rPr>
+                        <a:t>Provides options to suppress or exclude certain findings based on custom rules, patterns, or filters. Offers features for tuning analysis results and reducing false positives through customizable thresholds and policies.</a:t>
+                      </a:r>
+                    </a:p>
+                  </a:txBody>
+                  <a:tcPr marL="12432" marR="12432" marT="6216" marB="6216" anchor="ctr">
+                    <a:lnL w="9525" cap="flat" cmpd="sng" algn="ctr">
+                      <a:solidFill>
+                        <a:srgbClr val="E3E3E3"/>
+                      </a:solidFill>
+                      <a:prstDash val="solid"/>
+                      <a:round/>
+                      <a:headEnd type="none" w="med" len="med"/>
+                      <a:tailEnd type="none" w="med" len="med"/>
+                    </a:lnL>
+                    <a:lnR w="9525" cap="flat" cmpd="sng" algn="ctr">
+                      <a:solidFill>
+                        <a:srgbClr val="E3E3E3"/>
+                      </a:solidFill>
+                      <a:prstDash val="solid"/>
+                      <a:round/>
+                      <a:headEnd type="none" w="med" len="med"/>
+                      <a:tailEnd type="none" w="med" len="med"/>
+                    </a:lnR>
+                    <a:lnT w="12700" cap="flat" cmpd="sng" algn="ctr">
+                      <a:solidFill>
+                        <a:srgbClr val="E3E3E3"/>
+                      </a:solidFill>
+                      <a:prstDash val="solid"/>
+                      <a:round/>
+                      <a:headEnd type="none" w="med" len="med"/>
+                      <a:tailEnd type="none" w="med" len="med"/>
+                    </a:lnT>
+                    <a:lnB w="12700" cap="flat" cmpd="sng" algn="ctr">
+                      <a:solidFill>
+                        <a:srgbClr val="E3E3E3"/>
+                      </a:solidFill>
+                      <a:prstDash val="solid"/>
+                      <a:round/>
+                      <a:headEnd type="none" w="med" len="med"/>
+                      <a:tailEnd type="none" w="med" len="med"/>
+                    </a:lnB>
+                    <a:solidFill>
+                      <a:srgbClr val="FFFFFF"/>
+                    </a:solidFill>
+                  </a:tcPr>
+                </a:tc>
+                <a:tc>
+                  <a:txBody>
+                    <a:bodyPr/>
+                    <a:lstStyle/>
+                    <a:p>
+                      <a:pPr fontAlgn="base"/>
+                      <a:r>
+                        <a:rPr lang="en-US" sz="1400" dirty="0">
+                          <a:effectLst/>
+                        </a:rPr>
+                        <a:t>Allows developers to refine queries and analysis rules to reduce false positives. Offers mechanisms for adjusting query logic and sensitivity to improve accuracy.</a:t>
+                      </a:r>
+                    </a:p>
+                  </a:txBody>
+                  <a:tcPr marL="12432" marR="12432" marT="6216" marB="6216" anchor="ctr">
+                    <a:lnL w="9525" cap="flat" cmpd="sng" algn="ctr">
+                      <a:solidFill>
+                        <a:srgbClr val="E3E3E3"/>
+                      </a:solidFill>
+                      <a:prstDash val="solid"/>
+                      <a:round/>
+                      <a:headEnd type="none" w="med" len="med"/>
+                      <a:tailEnd type="none" w="med" len="med"/>
+                    </a:lnL>
+                    <a:lnR w="9525" cap="flat" cmpd="sng" algn="ctr">
+                      <a:solidFill>
+                        <a:srgbClr val="E3E3E3"/>
+                      </a:solidFill>
+                      <a:prstDash val="solid"/>
+                      <a:round/>
+                      <a:headEnd type="none" w="med" len="med"/>
+                      <a:tailEnd type="none" w="med" len="med"/>
+                    </a:lnR>
+                    <a:lnT w="12700" cap="flat" cmpd="sng" algn="ctr">
+                      <a:solidFill>
+                        <a:srgbClr val="E3E3E3"/>
+                      </a:solidFill>
+                      <a:prstDash val="solid"/>
+                      <a:round/>
+                      <a:headEnd type="none" w="med" len="med"/>
+                      <a:tailEnd type="none" w="med" len="med"/>
+                    </a:lnT>
+                    <a:lnB w="12700" cap="flat" cmpd="sng" algn="ctr">
+                      <a:solidFill>
+                        <a:srgbClr val="E3E3E3"/>
+                      </a:solidFill>
+                      <a:prstDash val="solid"/>
+                      <a:round/>
+                      <a:headEnd type="none" w="med" len="med"/>
+                      <a:tailEnd type="none" w="med" len="med"/>
+                    </a:lnB>
+                    <a:solidFill>
+                      <a:srgbClr val="FFFFFF"/>
+                    </a:solidFill>
+                  </a:tcPr>
+                </a:tc>
+                <a:extLst>
+                  <a:ext uri="{0D108BD9-81ED-4DB2-BD59-A6C34878D82A}">
+                    <a16:rowId xmlns:a16="http://schemas.microsoft.com/office/drawing/2014/main" val="3272191124"/>
+                  </a:ext>
+                </a:extLst>
+              </a:tr>
+              <a:tr h="1234925">
+                <a:tc>
+                  <a:txBody>
+                    <a:bodyPr/>
+                    <a:lstStyle/>
+                    <a:p>
+                      <a:pPr fontAlgn="base"/>
+                      <a:r>
+                        <a:rPr lang="en-IN" sz="1400" b="1">
+                          <a:effectLst/>
+                        </a:rPr>
+                        <a:t>Reporting and Compliance</a:t>
+                      </a:r>
+                      <a:endParaRPr lang="en-IN" sz="1400">
+                        <a:effectLst/>
+                      </a:endParaRPr>
+                    </a:p>
+                  </a:txBody>
+                  <a:tcPr marL="12432" marR="12432" marT="6216" marB="6216" anchor="ctr">
+                    <a:lnL w="9525" cap="flat" cmpd="sng" algn="ctr">
+                      <a:solidFill>
+                        <a:srgbClr val="E3E3E3"/>
+                      </a:solidFill>
+                      <a:prstDash val="solid"/>
+                      <a:round/>
+                      <a:headEnd type="none" w="med" len="med"/>
+                      <a:tailEnd type="none" w="med" len="med"/>
+                    </a:lnL>
+                    <a:lnR w="9525" cap="flat" cmpd="sng" algn="ctr">
+                      <a:solidFill>
+                        <a:srgbClr val="E3E3E3"/>
+                      </a:solidFill>
+                      <a:prstDash val="solid"/>
+                      <a:round/>
+                      <a:headEnd type="none" w="med" len="med"/>
+                      <a:tailEnd type="none" w="med" len="med"/>
+                    </a:lnR>
+                    <a:lnT w="12700" cap="flat" cmpd="sng" algn="ctr">
+                      <a:solidFill>
+                        <a:srgbClr val="E3E3E3"/>
+                      </a:solidFill>
+                      <a:prstDash val="solid"/>
+                      <a:round/>
+                      <a:headEnd type="none" w="med" len="med"/>
+                      <a:tailEnd type="none" w="med" len="med"/>
+                    </a:lnT>
+                    <a:lnB w="12700" cap="flat" cmpd="sng" algn="ctr">
+                      <a:solidFill>
+                        <a:srgbClr val="E3E3E3"/>
+                      </a:solidFill>
+                      <a:prstDash val="solid"/>
+                      <a:round/>
+                      <a:headEnd type="none" w="med" len="med"/>
+                      <a:tailEnd type="none" w="med" len="med"/>
+                    </a:lnB>
+                    <a:solidFill>
+                      <a:srgbClr val="FFFFFF"/>
+                    </a:solidFill>
+                  </a:tcPr>
+                </a:tc>
+                <a:tc>
+                  <a:txBody>
+                    <a:bodyPr/>
+                    <a:lstStyle/>
+                    <a:p>
+                      <a:pPr fontAlgn="base"/>
+                      <a:r>
+                        <a:rPr lang="en-US" sz="1400">
+                          <a:effectLst/>
+                        </a:rPr>
+                        <a:t>Generates comprehensive reports summarizing analysis results, including identified vulnerabilities, code snippets, and remediation recommendations. Supports compliance requirements by providing documentation and audit trails.</a:t>
+                      </a:r>
+                    </a:p>
+                  </a:txBody>
+                  <a:tcPr marL="12432" marR="12432" marT="6216" marB="6216" anchor="ctr">
+                    <a:lnL w="9525" cap="flat" cmpd="sng" algn="ctr">
+                      <a:solidFill>
+                        <a:srgbClr val="E3E3E3"/>
+                      </a:solidFill>
+                      <a:prstDash val="solid"/>
+                      <a:round/>
+                      <a:headEnd type="none" w="med" len="med"/>
+                      <a:tailEnd type="none" w="med" len="med"/>
+                    </a:lnL>
+                    <a:lnR w="9525" cap="flat" cmpd="sng" algn="ctr">
+                      <a:solidFill>
+                        <a:srgbClr val="E3E3E3"/>
+                      </a:solidFill>
+                      <a:prstDash val="solid"/>
+                      <a:round/>
+                      <a:headEnd type="none" w="med" len="med"/>
+                      <a:tailEnd type="none" w="med" len="med"/>
+                    </a:lnR>
+                    <a:lnT w="12700" cap="flat" cmpd="sng" algn="ctr">
+                      <a:solidFill>
+                        <a:srgbClr val="E3E3E3"/>
+                      </a:solidFill>
+                      <a:prstDash val="solid"/>
+                      <a:round/>
+                      <a:headEnd type="none" w="med" len="med"/>
+                      <a:tailEnd type="none" w="med" len="med"/>
+                    </a:lnT>
+                    <a:lnB w="12700" cap="flat" cmpd="sng" algn="ctr">
+                      <a:solidFill>
+                        <a:srgbClr val="E3E3E3"/>
+                      </a:solidFill>
+                      <a:prstDash val="solid"/>
+                      <a:round/>
+                      <a:headEnd type="none" w="med" len="med"/>
+                      <a:tailEnd type="none" w="med" len="med"/>
+                    </a:lnB>
+                    <a:solidFill>
+                      <a:srgbClr val="FFFFFF"/>
+                    </a:solidFill>
+                  </a:tcPr>
+                </a:tc>
+                <a:tc>
+                  <a:txBody>
+                    <a:bodyPr/>
+                    <a:lstStyle/>
+                    <a:p>
+                      <a:pPr fontAlgn="base"/>
+                      <a:r>
+                        <a:rPr lang="en-IN" sz="1400">
+                          <a:effectLst/>
+                        </a:rPr>
+                        <a:t>Offers integration with IDEs, CI/CD pipelines, version control systems, and issue tracking systems. Provides plugins and extensions for popular IDEs such as Visual Studio Code, IntelliJ IDEA, and Eclipse. Integrates with code repositories, CI/CD tools (e.g., Jenkins, Azure DevOps), and quality dashboards (e.g., SonarQube) for seamless integration into development workflows.</a:t>
+                      </a:r>
+                    </a:p>
+                  </a:txBody>
+                  <a:tcPr marL="12432" marR="12432" marT="6216" marB="6216" anchor="ctr">
+                    <a:lnL w="9525" cap="flat" cmpd="sng" algn="ctr">
+                      <a:solidFill>
+                        <a:srgbClr val="E3E3E3"/>
+                      </a:solidFill>
+                      <a:prstDash val="solid"/>
+                      <a:round/>
+                      <a:headEnd type="none" w="med" len="med"/>
+                      <a:tailEnd type="none" w="med" len="med"/>
+                    </a:lnL>
+                    <a:lnR w="9525" cap="flat" cmpd="sng" algn="ctr">
+                      <a:solidFill>
+                        <a:srgbClr val="E3E3E3"/>
+                      </a:solidFill>
+                      <a:prstDash val="solid"/>
+                      <a:round/>
+                      <a:headEnd type="none" w="med" len="med"/>
+                      <a:tailEnd type="none" w="med" len="med"/>
+                    </a:lnR>
+                    <a:lnT w="12700" cap="flat" cmpd="sng" algn="ctr">
+                      <a:solidFill>
+                        <a:srgbClr val="E3E3E3"/>
+                      </a:solidFill>
+                      <a:prstDash val="solid"/>
+                      <a:round/>
+                      <a:headEnd type="none" w="med" len="med"/>
+                      <a:tailEnd type="none" w="med" len="med"/>
+                    </a:lnT>
+                    <a:lnB w="12700" cap="flat" cmpd="sng" algn="ctr">
+                      <a:solidFill>
+                        <a:srgbClr val="E3E3E3"/>
+                      </a:solidFill>
+                      <a:prstDash val="solid"/>
+                      <a:round/>
+                      <a:headEnd type="none" w="med" len="med"/>
+                      <a:tailEnd type="none" w="med" len="med"/>
+                    </a:lnB>
+                    <a:solidFill>
+                      <a:srgbClr val="FFFFFF"/>
+                    </a:solidFill>
+                  </a:tcPr>
+                </a:tc>
+                <a:extLst>
+                  <a:ext uri="{0D108BD9-81ED-4DB2-BD59-A6C34878D82A}">
+                    <a16:rowId xmlns:a16="http://schemas.microsoft.com/office/drawing/2014/main" val="3969285073"/>
+                  </a:ext>
+                </a:extLst>
+              </a:tr>
+              <a:tr h="829715">
+                <a:tc>
+                  <a:txBody>
+                    <a:bodyPr/>
+                    <a:lstStyle/>
+                    <a:p>
+                      <a:pPr fontAlgn="base"/>
+                      <a:r>
+                        <a:rPr lang="en-IN" sz="1400" b="1">
+                          <a:effectLst/>
+                        </a:rPr>
+                        <a:t>Language Support</a:t>
+                      </a:r>
+                      <a:endParaRPr lang="en-IN" sz="1400">
+                        <a:effectLst/>
+                      </a:endParaRPr>
+                    </a:p>
+                  </a:txBody>
+                  <a:tcPr marL="12432" marR="12432" marT="6216" marB="6216" anchor="ctr">
+                    <a:lnL w="9525" cap="flat" cmpd="sng" algn="ctr">
+                      <a:solidFill>
+                        <a:srgbClr val="E3E3E3"/>
+                      </a:solidFill>
+                      <a:prstDash val="solid"/>
+                      <a:round/>
+                      <a:headEnd type="none" w="med" len="med"/>
+                      <a:tailEnd type="none" w="med" len="med"/>
+                    </a:lnL>
+                    <a:lnR w="9525" cap="flat" cmpd="sng" algn="ctr">
+                      <a:solidFill>
+                        <a:srgbClr val="E3E3E3"/>
+                      </a:solidFill>
+                      <a:prstDash val="solid"/>
+                      <a:round/>
+                      <a:headEnd type="none" w="med" len="med"/>
+                      <a:tailEnd type="none" w="med" len="med"/>
+                    </a:lnR>
+                    <a:lnT w="12700" cap="flat" cmpd="sng" algn="ctr">
+                      <a:solidFill>
+                        <a:srgbClr val="E3E3E3"/>
+                      </a:solidFill>
+                      <a:prstDash val="solid"/>
+                      <a:round/>
+                      <a:headEnd type="none" w="med" len="med"/>
+                      <a:tailEnd type="none" w="med" len="med"/>
+                    </a:lnT>
+                    <a:lnB w="12700" cap="flat" cmpd="sng" algn="ctr">
+                      <a:solidFill>
+                        <a:srgbClr val="E3E3E3"/>
+                      </a:solidFill>
+                      <a:prstDash val="solid"/>
+                      <a:round/>
+                      <a:headEnd type="none" w="med" len="med"/>
+                      <a:tailEnd type="none" w="med" len="med"/>
+                    </a:lnB>
+                    <a:solidFill>
+                      <a:srgbClr val="FFFFFF"/>
+                    </a:solidFill>
+                  </a:tcPr>
+                </a:tc>
+                <a:tc>
+                  <a:txBody>
+                    <a:bodyPr/>
+                    <a:lstStyle/>
+                    <a:p>
+                      <a:pPr fontAlgn="base"/>
+                      <a:r>
+                        <a:rPr lang="en-US" sz="1400">
+                          <a:effectLst/>
+                        </a:rPr>
+                        <a:t>Supports a wide range of programming languages and frameworks, including Java, C/C++, .NET, JavaScript, Python, PHP, Ruby, Swift, and more. Offers comprehensive rule sets and analysis capabilities for each supported language.</a:t>
+                      </a:r>
+                    </a:p>
+                  </a:txBody>
+                  <a:tcPr marL="12432" marR="12432" marT="6216" marB="6216" anchor="ctr">
+                    <a:lnL w="9525" cap="flat" cmpd="sng" algn="ctr">
+                      <a:solidFill>
+                        <a:srgbClr val="E3E3E3"/>
+                      </a:solidFill>
+                      <a:prstDash val="solid"/>
+                      <a:round/>
+                      <a:headEnd type="none" w="med" len="med"/>
+                      <a:tailEnd type="none" w="med" len="med"/>
+                    </a:lnL>
+                    <a:lnR w="9525" cap="flat" cmpd="sng" algn="ctr">
+                      <a:solidFill>
+                        <a:srgbClr val="E3E3E3"/>
+                      </a:solidFill>
+                      <a:prstDash val="solid"/>
+                      <a:round/>
+                      <a:headEnd type="none" w="med" len="med"/>
+                      <a:tailEnd type="none" w="med" len="med"/>
+                    </a:lnR>
+                    <a:lnT w="12700" cap="flat" cmpd="sng" algn="ctr">
+                      <a:solidFill>
+                        <a:srgbClr val="E3E3E3"/>
+                      </a:solidFill>
+                      <a:prstDash val="solid"/>
+                      <a:round/>
+                      <a:headEnd type="none" w="med" len="med"/>
+                      <a:tailEnd type="none" w="med" len="med"/>
+                    </a:lnT>
+                    <a:lnB w="12700" cap="flat" cmpd="sng" algn="ctr">
+                      <a:solidFill>
+                        <a:srgbClr val="E3E3E3"/>
+                      </a:solidFill>
+                      <a:prstDash val="solid"/>
+                      <a:round/>
+                      <a:headEnd type="none" w="med" len="med"/>
+                      <a:tailEnd type="none" w="med" len="med"/>
+                    </a:lnB>
+                    <a:solidFill>
+                      <a:srgbClr val="FFFFFF"/>
+                    </a:solidFill>
+                  </a:tcPr>
+                </a:tc>
+                <a:tc>
+                  <a:txBody>
+                    <a:bodyPr/>
+                    <a:lstStyle/>
+                    <a:p>
+                      <a:pPr fontAlgn="base"/>
+                      <a:r>
+                        <a:rPr lang="en-US" sz="1400">
+                          <a:effectLst/>
+                        </a:rPr>
+                        <a:t>Provides support for multiple programming languages, including C/C++, Java, JavaScript, Python, TypeScript, and others. Offers flexibility in writing custom queries and analysis rules for different languages and frameworks.</a:t>
+                      </a:r>
+                    </a:p>
+                  </a:txBody>
+                  <a:tcPr marL="12432" marR="12432" marT="6216" marB="6216" anchor="ctr">
+                    <a:lnL w="9525" cap="flat" cmpd="sng" algn="ctr">
+                      <a:solidFill>
+                        <a:srgbClr val="E3E3E3"/>
+                      </a:solidFill>
+                      <a:prstDash val="solid"/>
+                      <a:round/>
+                      <a:headEnd type="none" w="med" len="med"/>
+                      <a:tailEnd type="none" w="med" len="med"/>
+                    </a:lnL>
+                    <a:lnR w="9525" cap="flat" cmpd="sng" algn="ctr">
+                      <a:solidFill>
+                        <a:srgbClr val="E3E3E3"/>
+                      </a:solidFill>
+                      <a:prstDash val="solid"/>
+                      <a:round/>
+                      <a:headEnd type="none" w="med" len="med"/>
+                      <a:tailEnd type="none" w="med" len="med"/>
+                    </a:lnR>
+                    <a:lnT w="12700" cap="flat" cmpd="sng" algn="ctr">
+                      <a:solidFill>
+                        <a:srgbClr val="E3E3E3"/>
+                      </a:solidFill>
+                      <a:prstDash val="solid"/>
+                      <a:round/>
+                      <a:headEnd type="none" w="med" len="med"/>
+                      <a:tailEnd type="none" w="med" len="med"/>
+                    </a:lnT>
+                    <a:lnB w="12700" cap="flat" cmpd="sng" algn="ctr">
+                      <a:solidFill>
+                        <a:srgbClr val="E3E3E3"/>
+                      </a:solidFill>
+                      <a:prstDash val="solid"/>
+                      <a:round/>
+                      <a:headEnd type="none" w="med" len="med"/>
+                      <a:tailEnd type="none" w="med" len="med"/>
+                    </a:lnB>
+                    <a:solidFill>
+                      <a:srgbClr val="FFFFFF"/>
+                    </a:solidFill>
+                  </a:tcPr>
+                </a:tc>
+                <a:extLst>
+                  <a:ext uri="{0D108BD9-81ED-4DB2-BD59-A6C34878D82A}">
+                    <a16:rowId xmlns:a16="http://schemas.microsoft.com/office/drawing/2014/main" val="315665774"/>
+                  </a:ext>
+                </a:extLst>
+              </a:tr>
+              <a:tr h="1003376">
+                <a:tc>
+                  <a:txBody>
+                    <a:bodyPr/>
+                    <a:lstStyle/>
+                    <a:p>
+                      <a:pPr fontAlgn="base"/>
+                      <a:r>
+                        <a:rPr lang="en-IN" sz="1400" b="1">
+                          <a:effectLst/>
+                        </a:rPr>
+                        <a:t>Integration</a:t>
+                      </a:r>
+                      <a:endParaRPr lang="en-IN" sz="1400">
+                        <a:effectLst/>
+                      </a:endParaRPr>
+                    </a:p>
+                  </a:txBody>
+                  <a:tcPr marL="12432" marR="12432" marT="6216" marB="6216" anchor="ctr">
+                    <a:lnL w="9525" cap="flat" cmpd="sng" algn="ctr">
+                      <a:solidFill>
+                        <a:srgbClr val="E3E3E3"/>
+                      </a:solidFill>
+                      <a:prstDash val="solid"/>
+                      <a:round/>
+                      <a:headEnd type="none" w="med" len="med"/>
+                      <a:tailEnd type="none" w="med" len="med"/>
+                    </a:lnL>
+                    <a:lnR w="9525" cap="flat" cmpd="sng" algn="ctr">
+                      <a:solidFill>
+                        <a:srgbClr val="E3E3E3"/>
+                      </a:solidFill>
+                      <a:prstDash val="solid"/>
+                      <a:round/>
+                      <a:headEnd type="none" w="med" len="med"/>
+                      <a:tailEnd type="none" w="med" len="med"/>
+                    </a:lnR>
+                    <a:lnT w="12700" cap="flat" cmpd="sng" algn="ctr">
+                      <a:solidFill>
+                        <a:srgbClr val="E3E3E3"/>
+                      </a:solidFill>
+                      <a:prstDash val="solid"/>
+                      <a:round/>
+                      <a:headEnd type="none" w="med" len="med"/>
+                      <a:tailEnd type="none" w="med" len="med"/>
+                    </a:lnT>
+                    <a:lnB w="12700" cap="flat" cmpd="sng" algn="ctr">
+                      <a:solidFill>
+                        <a:srgbClr val="E3E3E3"/>
+                      </a:solidFill>
+                      <a:prstDash val="solid"/>
+                      <a:round/>
+                      <a:headEnd type="none" w="med" len="med"/>
+                      <a:tailEnd type="none" w="med" len="med"/>
+                    </a:lnB>
+                    <a:solidFill>
+                      <a:srgbClr val="FFFFFF"/>
+                    </a:solidFill>
+                  </a:tcPr>
+                </a:tc>
+                <a:tc>
+                  <a:txBody>
+                    <a:bodyPr/>
+                    <a:lstStyle/>
+                    <a:p>
+                      <a:pPr fontAlgn="base"/>
+                      <a:r>
+                        <a:rPr lang="en-IN" sz="1400" dirty="0">
+                          <a:effectLst/>
+                        </a:rPr>
+                        <a:t>Integrates with various development tools, CI/CD pipelines, IDEs, and issue tracking systems. Supports integration with popular IDEs (e.g., Visual Studio, Eclipse), build tools (e.g., Maven, </a:t>
+                      </a:r>
+                      <a:r>
+                        <a:rPr lang="en-IN" sz="1400" dirty="0" err="1">
+                          <a:effectLst/>
+                        </a:rPr>
+                        <a:t>Gradle</a:t>
+                      </a:r>
+                      <a:r>
+                        <a:rPr lang="en-IN" sz="1400" dirty="0">
+                          <a:effectLst/>
+                        </a:rPr>
+                        <a:t>), version control systems (e.g., Git, SVN), and CI/CD platforms (e.g., Jenkins, Azure DevOps).</a:t>
+                      </a:r>
+                    </a:p>
+                  </a:txBody>
+                  <a:tcPr marL="12432" marR="12432" marT="6216" marB="6216" anchor="ctr">
+                    <a:lnL w="9525" cap="flat" cmpd="sng" algn="ctr">
+                      <a:solidFill>
+                        <a:srgbClr val="E3E3E3"/>
+                      </a:solidFill>
+                      <a:prstDash val="solid"/>
+                      <a:round/>
+                      <a:headEnd type="none" w="med" len="med"/>
+                      <a:tailEnd type="none" w="med" len="med"/>
+                    </a:lnL>
+                    <a:lnR w="9525" cap="flat" cmpd="sng" algn="ctr">
+                      <a:solidFill>
+                        <a:srgbClr val="E3E3E3"/>
+                      </a:solidFill>
+                      <a:prstDash val="solid"/>
+                      <a:round/>
+                      <a:headEnd type="none" w="med" len="med"/>
+                      <a:tailEnd type="none" w="med" len="med"/>
+                    </a:lnR>
+                    <a:lnT w="12700" cap="flat" cmpd="sng" algn="ctr">
+                      <a:solidFill>
+                        <a:srgbClr val="E3E3E3"/>
+                      </a:solidFill>
+                      <a:prstDash val="solid"/>
+                      <a:round/>
+                      <a:headEnd type="none" w="med" len="med"/>
+                      <a:tailEnd type="none" w="med" len="med"/>
+                    </a:lnT>
+                    <a:lnB w="12700" cap="flat" cmpd="sng" algn="ctr">
+                      <a:solidFill>
+                        <a:srgbClr val="E3E3E3"/>
+                      </a:solidFill>
+                      <a:prstDash val="solid"/>
+                      <a:round/>
+                      <a:headEnd type="none" w="med" len="med"/>
+                      <a:tailEnd type="none" w="med" len="med"/>
+                    </a:lnB>
+                    <a:solidFill>
+                      <a:srgbClr val="FFFFFF"/>
+                    </a:solidFill>
+                  </a:tcPr>
+                </a:tc>
+                <a:tc>
+                  <a:txBody>
+                    <a:bodyPr/>
+                    <a:lstStyle/>
+                    <a:p>
+                      <a:pPr fontAlgn="base"/>
+                      <a:r>
+                        <a:rPr lang="en-US" sz="1400">
+                          <a:effectLst/>
+                        </a:rPr>
+                        <a:t>Offers a learning curve for developers who are new to writing custom code analysis queries and understanding semantic code analysis concepts. Requires familiarity with query languages (e.g., QL) and code analysis methodologies.</a:t>
+                      </a:r>
+                    </a:p>
+                  </a:txBody>
+                  <a:tcPr marL="12432" marR="12432" marT="6216" marB="6216" anchor="ctr">
+                    <a:lnL w="9525" cap="flat" cmpd="sng" algn="ctr">
+                      <a:solidFill>
+                        <a:srgbClr val="E3E3E3"/>
+                      </a:solidFill>
+                      <a:prstDash val="solid"/>
+                      <a:round/>
+                      <a:headEnd type="none" w="med" len="med"/>
+                      <a:tailEnd type="none" w="med" len="med"/>
+                    </a:lnL>
+                    <a:lnR w="9525" cap="flat" cmpd="sng" algn="ctr">
+                      <a:solidFill>
+                        <a:srgbClr val="E3E3E3"/>
+                      </a:solidFill>
+                      <a:prstDash val="solid"/>
+                      <a:round/>
+                      <a:headEnd type="none" w="med" len="med"/>
+                      <a:tailEnd type="none" w="med" len="med"/>
+                    </a:lnR>
+                    <a:lnT w="12700" cap="flat" cmpd="sng" algn="ctr">
+                      <a:solidFill>
+                        <a:srgbClr val="E3E3E3"/>
+                      </a:solidFill>
+                      <a:prstDash val="solid"/>
+                      <a:round/>
+                      <a:headEnd type="none" w="med" len="med"/>
+                      <a:tailEnd type="none" w="med" len="med"/>
+                    </a:lnT>
+                    <a:lnB w="12700" cap="flat" cmpd="sng" algn="ctr">
+                      <a:solidFill>
+                        <a:srgbClr val="E3E3E3"/>
+                      </a:solidFill>
+                      <a:prstDash val="solid"/>
+                      <a:round/>
+                      <a:headEnd type="none" w="med" len="med"/>
+                      <a:tailEnd type="none" w="med" len="med"/>
+                    </a:lnB>
+                    <a:solidFill>
+                      <a:srgbClr val="FFFFFF"/>
+                    </a:solidFill>
+                  </a:tcPr>
+                </a:tc>
+                <a:extLst>
+                  <a:ext uri="{0D108BD9-81ED-4DB2-BD59-A6C34878D82A}">
+                    <a16:rowId xmlns:a16="http://schemas.microsoft.com/office/drawing/2014/main" val="1275894805"/>
+                  </a:ext>
+                </a:extLst>
+              </a:tr>
+              <a:tr h="1234925">
+                <a:tc>
+                  <a:txBody>
+                    <a:bodyPr/>
+                    <a:lstStyle/>
+                    <a:p>
+                      <a:pPr fontAlgn="base"/>
+                      <a:r>
+                        <a:rPr lang="en-IN" sz="1400" b="1">
+                          <a:effectLst/>
+                        </a:rPr>
+                        <a:t>Learning Curve</a:t>
+                      </a:r>
+                      <a:endParaRPr lang="en-IN" sz="1400">
+                        <a:effectLst/>
+                      </a:endParaRPr>
+                    </a:p>
+                  </a:txBody>
+                  <a:tcPr marL="12432" marR="12432" marT="6216" marB="6216" anchor="ctr">
+                    <a:lnL w="9525" cap="flat" cmpd="sng" algn="ctr">
+                      <a:solidFill>
+                        <a:srgbClr val="E3E3E3"/>
+                      </a:solidFill>
+                      <a:prstDash val="solid"/>
+                      <a:round/>
+                      <a:headEnd type="none" w="med" len="med"/>
+                      <a:tailEnd type="none" w="med" len="med"/>
+                    </a:lnL>
+                    <a:lnR w="9525" cap="flat" cmpd="sng" algn="ctr">
+                      <a:solidFill>
+                        <a:srgbClr val="E3E3E3"/>
+                      </a:solidFill>
+                      <a:prstDash val="solid"/>
+                      <a:round/>
+                      <a:headEnd type="none" w="med" len="med"/>
+                      <a:tailEnd type="none" w="med" len="med"/>
+                    </a:lnR>
+                    <a:lnT w="12700" cap="flat" cmpd="sng" algn="ctr">
+                      <a:solidFill>
+                        <a:srgbClr val="E3E3E3"/>
+                      </a:solidFill>
+                      <a:prstDash val="solid"/>
+                      <a:round/>
+                      <a:headEnd type="none" w="med" len="med"/>
+                      <a:tailEnd type="none" w="med" len="med"/>
+                    </a:lnT>
+                    <a:lnB w="12700" cap="flat" cmpd="sng" algn="ctr">
+                      <a:solidFill>
+                        <a:srgbClr val="E3E3E3"/>
+                      </a:solidFill>
+                      <a:prstDash val="solid"/>
+                      <a:round/>
+                      <a:headEnd type="none" w="med" len="med"/>
+                      <a:tailEnd type="none" w="med" len="med"/>
+                    </a:lnB>
+                    <a:solidFill>
+                      <a:srgbClr val="FFFFFF"/>
+                    </a:solidFill>
+                  </a:tcPr>
+                </a:tc>
+                <a:tc>
+                  <a:txBody>
+                    <a:bodyPr/>
+                    <a:lstStyle/>
+                    <a:p>
+                      <a:pPr fontAlgn="base"/>
+                      <a:r>
+                        <a:rPr lang="en-US" sz="1400">
+                          <a:effectLst/>
+                        </a:rPr>
+                        <a:t>Offers both open-source and commercial editions. The open-source edition (Fortify SSC) provides basic SAST capabilities with limited rule sets and features. The commercial editions (Fortify SCA, Fortify on Demand) offer advanced SAST features, comprehensive rule sets, and enterprise-grade support. Licensing needs and costs depend on the specific edition and features required.</a:t>
+                      </a:r>
+                    </a:p>
+                  </a:txBody>
+                  <a:tcPr marL="12432" marR="12432" marT="6216" marB="6216" anchor="ctr">
+                    <a:lnL w="9525" cap="flat" cmpd="sng" algn="ctr">
+                      <a:solidFill>
+                        <a:srgbClr val="E3E3E3"/>
+                      </a:solidFill>
+                      <a:prstDash val="solid"/>
+                      <a:round/>
+                      <a:headEnd type="none" w="med" len="med"/>
+                      <a:tailEnd type="none" w="med" len="med"/>
+                    </a:lnL>
+                    <a:lnR w="9525" cap="flat" cmpd="sng" algn="ctr">
+                      <a:solidFill>
+                        <a:srgbClr val="E3E3E3"/>
+                      </a:solidFill>
+                      <a:prstDash val="solid"/>
+                      <a:round/>
+                      <a:headEnd type="none" w="med" len="med"/>
+                      <a:tailEnd type="none" w="med" len="med"/>
+                    </a:lnR>
+                    <a:lnT w="12700" cap="flat" cmpd="sng" algn="ctr">
+                      <a:solidFill>
+                        <a:srgbClr val="E3E3E3"/>
+                      </a:solidFill>
+                      <a:prstDash val="solid"/>
+                      <a:round/>
+                      <a:headEnd type="none" w="med" len="med"/>
+                      <a:tailEnd type="none" w="med" len="med"/>
+                    </a:lnT>
+                    <a:lnB w="12700" cap="flat" cmpd="sng" algn="ctr">
+                      <a:solidFill>
+                        <a:srgbClr val="E3E3E3"/>
+                      </a:solidFill>
+                      <a:prstDash val="solid"/>
+                      <a:round/>
+                      <a:headEnd type="none" w="med" len="med"/>
+                      <a:tailEnd type="none" w="med" len="med"/>
+                    </a:lnB>
+                    <a:solidFill>
+                      <a:srgbClr val="FFFFFF"/>
+                    </a:solidFill>
+                  </a:tcPr>
+                </a:tc>
+                <a:tc>
+                  <a:txBody>
+                    <a:bodyPr/>
+                    <a:lstStyle/>
+                    <a:p>
+                      <a:pPr fontAlgn="base"/>
+                      <a:r>
+                        <a:rPr lang="en-US" sz="1400">
+                          <a:effectLst/>
+                        </a:rPr>
+                        <a:t>Provides a collaborative platform for security researchers, developers, and analysts to share and contribute code analysis queries and libraries. Offers community support, documentation, and resources for learning and leveraging CodeQL effectively.</a:t>
+                      </a:r>
+                    </a:p>
+                  </a:txBody>
+                  <a:tcPr marL="12432" marR="12432" marT="6216" marB="6216" anchor="ctr">
+                    <a:lnL w="9525" cap="flat" cmpd="sng" algn="ctr">
+                      <a:solidFill>
+                        <a:srgbClr val="E3E3E3"/>
+                      </a:solidFill>
+                      <a:prstDash val="solid"/>
+                      <a:round/>
+                      <a:headEnd type="none" w="med" len="med"/>
+                      <a:tailEnd type="none" w="med" len="med"/>
+                    </a:lnL>
+                    <a:lnR w="9525" cap="flat" cmpd="sng" algn="ctr">
+                      <a:solidFill>
+                        <a:srgbClr val="E3E3E3"/>
+                      </a:solidFill>
+                      <a:prstDash val="solid"/>
+                      <a:round/>
+                      <a:headEnd type="none" w="med" len="med"/>
+                      <a:tailEnd type="none" w="med" len="med"/>
+                    </a:lnR>
+                    <a:lnT w="12700" cap="flat" cmpd="sng" algn="ctr">
+                      <a:solidFill>
+                        <a:srgbClr val="E3E3E3"/>
+                      </a:solidFill>
+                      <a:prstDash val="solid"/>
+                      <a:round/>
+                      <a:headEnd type="none" w="med" len="med"/>
+                      <a:tailEnd type="none" w="med" len="med"/>
+                    </a:lnT>
+                    <a:lnB w="12700" cap="flat" cmpd="sng" algn="ctr">
+                      <a:solidFill>
+                        <a:srgbClr val="E3E3E3"/>
+                      </a:solidFill>
+                      <a:prstDash val="solid"/>
+                      <a:round/>
+                      <a:headEnd type="none" w="med" len="med"/>
+                      <a:tailEnd type="none" w="med" len="med"/>
+                    </a:lnB>
+                    <a:solidFill>
+                      <a:srgbClr val="FFFFFF"/>
+                    </a:solidFill>
+                  </a:tcPr>
+                </a:tc>
+                <a:extLst>
+                  <a:ext uri="{0D108BD9-81ED-4DB2-BD59-A6C34878D82A}">
+                    <a16:rowId xmlns:a16="http://schemas.microsoft.com/office/drawing/2014/main" val="3917867253"/>
+                  </a:ext>
+                </a:extLst>
+              </a:tr>
+              <a:tr h="656053">
+                <a:tc>
+                  <a:txBody>
+                    <a:bodyPr/>
+                    <a:lstStyle/>
+                    <a:p>
+                      <a:pPr fontAlgn="base"/>
+                      <a:r>
+                        <a:rPr lang="en-IN" sz="1400" b="1">
+                          <a:effectLst/>
+                        </a:rPr>
+                        <a:t>Open Source vs Licensing</a:t>
+                      </a:r>
+                      <a:endParaRPr lang="en-IN" sz="1400">
+                        <a:effectLst/>
+                      </a:endParaRPr>
+                    </a:p>
+                  </a:txBody>
+                  <a:tcPr marL="12432" marR="12432" marT="6216" marB="6216" anchor="ctr">
+                    <a:lnL w="9525" cap="flat" cmpd="sng" algn="ctr">
+                      <a:solidFill>
+                        <a:srgbClr val="E3E3E3"/>
+                      </a:solidFill>
+                      <a:prstDash val="solid"/>
+                      <a:round/>
+                      <a:headEnd type="none" w="med" len="med"/>
+                      <a:tailEnd type="none" w="med" len="med"/>
+                    </a:lnL>
+                    <a:lnR w="9525" cap="flat" cmpd="sng" algn="ctr">
+                      <a:solidFill>
+                        <a:srgbClr val="E3E3E3"/>
+                      </a:solidFill>
+                      <a:prstDash val="solid"/>
+                      <a:round/>
+                      <a:headEnd type="none" w="med" len="med"/>
+                      <a:tailEnd type="none" w="med" len="med"/>
+                    </a:lnR>
+                    <a:lnT w="12700" cap="flat" cmpd="sng" algn="ctr">
+                      <a:solidFill>
+                        <a:srgbClr val="E3E3E3"/>
+                      </a:solidFill>
+                      <a:prstDash val="solid"/>
+                      <a:round/>
+                      <a:headEnd type="none" w="med" len="med"/>
+                      <a:tailEnd type="none" w="med" len="med"/>
+                    </a:lnT>
+                    <a:lnB w="9525" cap="flat" cmpd="sng" algn="ctr">
+                      <a:solidFill>
+                        <a:srgbClr val="E3E3E3"/>
+                      </a:solidFill>
+                      <a:prstDash val="solid"/>
+                      <a:round/>
+                      <a:headEnd type="none" w="med" len="med"/>
+                      <a:tailEnd type="none" w="med" len="med"/>
+                    </a:lnB>
+                    <a:solidFill>
+                      <a:srgbClr val="FFFFFF"/>
+                    </a:solidFill>
+                  </a:tcPr>
+                </a:tc>
+                <a:tc>
+                  <a:txBody>
+                    <a:bodyPr/>
+                    <a:lstStyle/>
+                    <a:p>
+                      <a:pPr fontAlgn="base"/>
+                      <a:r>
+                        <a:rPr lang="en-US" sz="1400">
+                          <a:effectLst/>
+                        </a:rPr>
+                        <a:t>Depending on the edition and features required, Fortify may require licensing for commercial use. Licensing costs vary based on factors such as the number of users, analysis capacity, and support level.</a:t>
+                      </a:r>
+                    </a:p>
+                  </a:txBody>
+                  <a:tcPr marL="12432" marR="12432" marT="6216" marB="6216" anchor="ctr">
+                    <a:lnL w="9525" cap="flat" cmpd="sng" algn="ctr">
+                      <a:solidFill>
+                        <a:srgbClr val="E3E3E3"/>
+                      </a:solidFill>
+                      <a:prstDash val="solid"/>
+                      <a:round/>
+                      <a:headEnd type="none" w="med" len="med"/>
+                      <a:tailEnd type="none" w="med" len="med"/>
+                    </a:lnL>
+                    <a:lnR w="9525" cap="flat" cmpd="sng" algn="ctr">
+                      <a:solidFill>
+                        <a:srgbClr val="E3E3E3"/>
+                      </a:solidFill>
+                      <a:prstDash val="solid"/>
+                      <a:round/>
+                      <a:headEnd type="none" w="med" len="med"/>
+                      <a:tailEnd type="none" w="med" len="med"/>
+                    </a:lnR>
+                    <a:lnT w="12700" cap="flat" cmpd="sng" algn="ctr">
+                      <a:solidFill>
+                        <a:srgbClr val="E3E3E3"/>
+                      </a:solidFill>
+                      <a:prstDash val="solid"/>
+                      <a:round/>
+                      <a:headEnd type="none" w="med" len="med"/>
+                      <a:tailEnd type="none" w="med" len="med"/>
+                    </a:lnT>
+                    <a:lnB w="9525" cap="flat" cmpd="sng" algn="ctr">
+                      <a:solidFill>
+                        <a:srgbClr val="E3E3E3"/>
+                      </a:solidFill>
+                      <a:prstDash val="solid"/>
+                      <a:round/>
+                      <a:headEnd type="none" w="med" len="med"/>
+                      <a:tailEnd type="none" w="med" len="med"/>
+                    </a:lnB>
+                    <a:solidFill>
+                      <a:srgbClr val="FFFFFF"/>
+                    </a:solidFill>
+                  </a:tcPr>
+                </a:tc>
+                <a:tc>
+                  <a:txBody>
+                    <a:bodyPr/>
+                    <a:lstStyle/>
+                    <a:p>
+                      <a:pPr fontAlgn="base"/>
+                      <a:r>
+                        <a:rPr lang="en-US" sz="1400" dirty="0" err="1">
+                          <a:effectLst/>
+                        </a:rPr>
+                        <a:t>CodeQL</a:t>
+                      </a:r>
+                      <a:r>
+                        <a:rPr lang="en-US" sz="1400" dirty="0">
+                          <a:effectLst/>
+                        </a:rPr>
+                        <a:t> is an open-source project developed and maintained by GitHub (Microsoft). The </a:t>
+                      </a:r>
+                      <a:r>
+                        <a:rPr lang="en-US" sz="1400" dirty="0" err="1">
+                          <a:effectLst/>
+                        </a:rPr>
+                        <a:t>CodeQL</a:t>
+                      </a:r>
+                      <a:r>
+                        <a:rPr lang="en-US" sz="1400" dirty="0">
+                          <a:effectLst/>
+                        </a:rPr>
+                        <a:t> platform and libraries are freely available for use by the developer community.</a:t>
+                      </a:r>
+                    </a:p>
+                  </a:txBody>
+                  <a:tcPr marL="12432" marR="12432" marT="6216" marB="6216" anchor="ctr">
+                    <a:lnL w="9525" cap="flat" cmpd="sng" algn="ctr">
+                      <a:solidFill>
+                        <a:srgbClr val="E3E3E3"/>
+                      </a:solidFill>
+                      <a:prstDash val="solid"/>
+                      <a:round/>
+                      <a:headEnd type="none" w="med" len="med"/>
+                      <a:tailEnd type="none" w="med" len="med"/>
+                    </a:lnL>
+                    <a:lnR w="9525" cap="flat" cmpd="sng" algn="ctr">
+                      <a:solidFill>
+                        <a:srgbClr val="E3E3E3"/>
+                      </a:solidFill>
+                      <a:prstDash val="solid"/>
+                      <a:round/>
+                      <a:headEnd type="none" w="med" len="med"/>
+                      <a:tailEnd type="none" w="med" len="med"/>
+                    </a:lnR>
+                    <a:lnT w="12700" cap="flat" cmpd="sng" algn="ctr">
+                      <a:solidFill>
+                        <a:srgbClr val="E3E3E3"/>
+                      </a:solidFill>
+                      <a:prstDash val="solid"/>
+                      <a:round/>
+                      <a:headEnd type="none" w="med" len="med"/>
+                      <a:tailEnd type="none" w="med" len="med"/>
+                    </a:lnT>
+                    <a:lnB w="9525" cap="flat" cmpd="sng" algn="ctr">
+                      <a:solidFill>
+                        <a:srgbClr val="E3E3E3"/>
+                      </a:solidFill>
+                      <a:prstDash val="solid"/>
+                      <a:round/>
+                      <a:headEnd type="none" w="med" len="med"/>
+                      <a:tailEnd type="none" w="med" len="med"/>
+                    </a:lnB>
+                    <a:solidFill>
+                      <a:srgbClr val="FFFFFF"/>
+                    </a:solidFill>
+                  </a:tcPr>
+                </a:tc>
+                <a:extLst>
+                  <a:ext uri="{0D108BD9-81ED-4DB2-BD59-A6C34878D82A}">
+                    <a16:rowId xmlns:a16="http://schemas.microsoft.com/office/drawing/2014/main" val="2961583071"/>
+                  </a:ext>
+                </a:extLst>
+              </a:tr>
+            </a:tbl>
+          </a:graphicData>
+        </a:graphic>
+      </p:graphicFrame>
+    </p:spTree>
+    <p:extLst>
+      <p:ext uri="{BB962C8B-B14F-4D97-AF65-F5344CB8AC3E}">
+        <p14:creationId xmlns:p14="http://schemas.microsoft.com/office/powerpoint/2010/main" val="3294604026"/>
+      </p:ext>
+    </p:extLst>
+  </p:cSld>
+  <p:clrMapOvr>
+    <a:masterClrMapping/>
+  </p:clrMapOvr>
+  <p:timing>
+    <p:tnLst>
+      <p:par>
+        <p:cTn id="1" dur="indefinite" restart="never" nodeType="tmRoot"/>
+      </p:par>
+    </p:tnLst>
+  </p:timing>
+</p:sld>
+</file>
+
 <file path=ppt/theme/theme1.xml><?xml version="1.0" encoding="utf-8"?>
 <a:theme xmlns:a="http://schemas.openxmlformats.org/drawingml/2006/main" name="Office Theme">
   <a:themeElements>
